--- a/van_der_Waals_Paper/Presentations/2023-11-6_data_update.pptx
+++ b/van_der_Waals_Paper/Presentations/2023-11-6_data_update.pptx
@@ -5,13 +5,9 @@
     <p:sldMasterId id="2147483648" r:id="rId1"/>
   </p:sldMasterIdLst>
   <p:sldIdLst>
-    <p:sldId id="256" r:id="rId2"/>
-    <p:sldId id="264" r:id="rId3"/>
-    <p:sldId id="265" r:id="rId4"/>
-    <p:sldId id="257" r:id="rId5"/>
-    <p:sldId id="258" r:id="rId6"/>
-    <p:sldId id="259" r:id="rId7"/>
-    <p:sldId id="263" r:id="rId8"/>
+    <p:sldId id="257" r:id="rId2"/>
+    <p:sldId id="259" r:id="rId3"/>
+    <p:sldId id="263" r:id="rId4"/>
   </p:sldIdLst>
   <p:sldSz cx="12192000" cy="6858000"/>
   <p:notesSz cx="6858000" cy="9144000"/>
@@ -110,6 +106,11 @@
       </a:defRPr>
     </a:lvl9pPr>
   </p:defaultTextStyle>
+  <p:extLst>
+    <p:ext uri="{EFAFB233-063F-42B5-8137-9DF3F51BA10A}">
+      <p15:sldGuideLst xmlns:p15="http://schemas.microsoft.com/office/powerpoint/2012/main"/>
+    </p:ext>
+  </p:extLst>
 </p:presentation>
 </file>
 
@@ -260,7 +261,7 @@
           <a:p>
             <a:fld id="{95F85A64-94E6-475D-841A-AF07FADFE477}" type="datetimeFigureOut">
               <a:rPr lang="en-US" smtClean="0"/>
-              <a:t>11/5/2023</a:t>
+              <a:t>11/6/2023</a:t>
             </a:fld>
             <a:endParaRPr lang="en-US"/>
           </a:p>
@@ -458,7 +459,7 @@
           <a:p>
             <a:fld id="{95F85A64-94E6-475D-841A-AF07FADFE477}" type="datetimeFigureOut">
               <a:rPr lang="en-US" smtClean="0"/>
-              <a:t>11/5/2023</a:t>
+              <a:t>11/6/2023</a:t>
             </a:fld>
             <a:endParaRPr lang="en-US"/>
           </a:p>
@@ -666,7 +667,7 @@
           <a:p>
             <a:fld id="{95F85A64-94E6-475D-841A-AF07FADFE477}" type="datetimeFigureOut">
               <a:rPr lang="en-US" smtClean="0"/>
-              <a:t>11/5/2023</a:t>
+              <a:t>11/6/2023</a:t>
             </a:fld>
             <a:endParaRPr lang="en-US"/>
           </a:p>
@@ -864,7 +865,7 @@
           <a:p>
             <a:fld id="{95F85A64-94E6-475D-841A-AF07FADFE477}" type="datetimeFigureOut">
               <a:rPr lang="en-US" smtClean="0"/>
-              <a:t>11/5/2023</a:t>
+              <a:t>11/6/2023</a:t>
             </a:fld>
             <a:endParaRPr lang="en-US"/>
           </a:p>
@@ -1139,7 +1140,7 @@
           <a:p>
             <a:fld id="{95F85A64-94E6-475D-841A-AF07FADFE477}" type="datetimeFigureOut">
               <a:rPr lang="en-US" smtClean="0"/>
-              <a:t>11/5/2023</a:t>
+              <a:t>11/6/2023</a:t>
             </a:fld>
             <a:endParaRPr lang="en-US"/>
           </a:p>
@@ -1404,7 +1405,7 @@
           <a:p>
             <a:fld id="{95F85A64-94E6-475D-841A-AF07FADFE477}" type="datetimeFigureOut">
               <a:rPr lang="en-US" smtClean="0"/>
-              <a:t>11/5/2023</a:t>
+              <a:t>11/6/2023</a:t>
             </a:fld>
             <a:endParaRPr lang="en-US"/>
           </a:p>
@@ -1816,7 +1817,7 @@
           <a:p>
             <a:fld id="{95F85A64-94E6-475D-841A-AF07FADFE477}" type="datetimeFigureOut">
               <a:rPr lang="en-US" smtClean="0"/>
-              <a:t>11/5/2023</a:t>
+              <a:t>11/6/2023</a:t>
             </a:fld>
             <a:endParaRPr lang="en-US"/>
           </a:p>
@@ -1957,7 +1958,7 @@
           <a:p>
             <a:fld id="{95F85A64-94E6-475D-841A-AF07FADFE477}" type="datetimeFigureOut">
               <a:rPr lang="en-US" smtClean="0"/>
-              <a:t>11/5/2023</a:t>
+              <a:t>11/6/2023</a:t>
             </a:fld>
             <a:endParaRPr lang="en-US"/>
           </a:p>
@@ -2070,7 +2071,7 @@
           <a:p>
             <a:fld id="{95F85A64-94E6-475D-841A-AF07FADFE477}" type="datetimeFigureOut">
               <a:rPr lang="en-US" smtClean="0"/>
-              <a:t>11/5/2023</a:t>
+              <a:t>11/6/2023</a:t>
             </a:fld>
             <a:endParaRPr lang="en-US"/>
           </a:p>
@@ -2381,7 +2382,7 @@
           <a:p>
             <a:fld id="{95F85A64-94E6-475D-841A-AF07FADFE477}" type="datetimeFigureOut">
               <a:rPr lang="en-US" smtClean="0"/>
-              <a:t>11/5/2023</a:t>
+              <a:t>11/6/2023</a:t>
             </a:fld>
             <a:endParaRPr lang="en-US"/>
           </a:p>
@@ -2669,7 +2670,7 @@
           <a:p>
             <a:fld id="{95F85A64-94E6-475D-841A-AF07FADFE477}" type="datetimeFigureOut">
               <a:rPr lang="en-US" smtClean="0"/>
-              <a:t>11/5/2023</a:t>
+              <a:t>11/6/2023</a:t>
             </a:fld>
             <a:endParaRPr lang="en-US"/>
           </a:p>
@@ -2910,7 +2911,7 @@
           <a:p>
             <a:fld id="{95F85A64-94E6-475D-841A-AF07FADFE477}" type="datetimeFigureOut">
               <a:rPr lang="en-US" smtClean="0"/>
-              <a:t>11/5/2023</a:t>
+              <a:t>11/6/2023</a:t>
             </a:fld>
             <a:endParaRPr lang="en-US"/>
           </a:p>
@@ -3332,15 +3333,15 @@
           <p:cNvPr id="2" name="Title 1">
             <a:extLst>
               <a:ext uri="{FF2B5EF4-FFF2-40B4-BE49-F238E27FC236}">
-                <a16:creationId xmlns:a16="http://schemas.microsoft.com/office/drawing/2014/main" id="{8A13BC67-D756-A174-9AC5-1731AD9ABE24}"/>
-              </a:ext>
-            </a:extLst>
-          </p:cNvPr>
-          <p:cNvSpPr>
-            <a:spLocks noGrp="1"/>
-          </p:cNvSpPr>
-          <p:nvPr>
-            <p:ph type="ctrTitle"/>
+                <a16:creationId xmlns:a16="http://schemas.microsoft.com/office/drawing/2014/main" id="{4B90E0A3-2114-22BA-3749-81AE9931D308}"/>
+              </a:ext>
+            </a:extLst>
+          </p:cNvPr>
+          <p:cNvSpPr>
+            <a:spLocks noGrp="1"/>
+          </p:cNvSpPr>
+          <p:nvPr>
+            <p:ph type="title"/>
           </p:nvPr>
         </p:nvSpPr>
         <p:spPr/>
@@ -3348,39 +3349,125 @@
           <a:bodyPr/>
           <a:lstStyle/>
           <a:p>
-            <a:endParaRPr lang="en-US"/>
-          </a:p>
-        </p:txBody>
-      </p:sp>
-      <p:sp>
-        <p:nvSpPr>
-          <p:cNvPr id="3" name="Subtitle 2">
-            <a:extLst>
-              <a:ext uri="{FF2B5EF4-FFF2-40B4-BE49-F238E27FC236}">
-                <a16:creationId xmlns:a16="http://schemas.microsoft.com/office/drawing/2014/main" id="{2AE41E19-FC98-0C62-E540-D9F350D03B06}"/>
-              </a:ext>
-            </a:extLst>
-          </p:cNvPr>
-          <p:cNvSpPr>
-            <a:spLocks noGrp="1"/>
-          </p:cNvSpPr>
-          <p:nvPr>
-            <p:ph type="subTitle" idx="1"/>
-          </p:nvPr>
-        </p:nvSpPr>
-        <p:spPr/>
-        <p:txBody>
-          <a:bodyPr/>
-          <a:lstStyle/>
-          <a:p>
-            <a:endParaRPr lang="en-US"/>
-          </a:p>
-        </p:txBody>
-      </p:sp>
+            <a:r>
+              <a:rPr lang="en-US" dirty="0"/>
+              <a:t>2 mutants &lt; 35% OR &lt; 75% WT</a:t>
+            </a:r>
+          </a:p>
+        </p:txBody>
+      </p:sp>
+      <p:pic>
+        <p:nvPicPr>
+          <p:cNvPr id="5" name="Picture 4" descr="A graph of a graph with numbers and a bar chart&#10;&#10;Description automatically generated with medium confidence">
+            <a:extLst>
+              <a:ext uri="{FF2B5EF4-FFF2-40B4-BE49-F238E27FC236}">
+                <a16:creationId xmlns:a16="http://schemas.microsoft.com/office/drawing/2014/main" id="{830E23A2-403A-E4EB-E118-DD15E01CC91D}"/>
+              </a:ext>
+            </a:extLst>
+          </p:cNvPr>
+          <p:cNvPicPr>
+            <a:picLocks noChangeAspect="1"/>
+          </p:cNvPicPr>
+          <p:nvPr/>
+        </p:nvPicPr>
+        <p:blipFill>
+          <a:blip r:embed="rId2">
+            <a:extLst>
+              <a:ext uri="{28A0092B-C50C-407E-A947-70E740481C1C}">
+                <a14:useLocalDpi xmlns:a14="http://schemas.microsoft.com/office/drawing/2010/main" val="0"/>
+              </a:ext>
+            </a:extLst>
+          </a:blip>
+          <a:stretch>
+            <a:fillRect/>
+          </a:stretch>
+        </p:blipFill>
+        <p:spPr>
+          <a:xfrm>
+            <a:off x="4084700" y="1690688"/>
+            <a:ext cx="4084194" cy="3063146"/>
+          </a:xfrm>
+          <a:prstGeom prst="rect">
+            <a:avLst/>
+          </a:prstGeom>
+        </p:spPr>
+      </p:pic>
+      <p:pic>
+        <p:nvPicPr>
+          <p:cNvPr id="7" name="Picture 6" descr="A graph of distance&#10;&#10;Description automatically generated with medium confidence">
+            <a:extLst>
+              <a:ext uri="{FF2B5EF4-FFF2-40B4-BE49-F238E27FC236}">
+                <a16:creationId xmlns:a16="http://schemas.microsoft.com/office/drawing/2014/main" id="{8E674495-ABD6-A5FD-11ED-DD647F9F50E4}"/>
+              </a:ext>
+            </a:extLst>
+          </p:cNvPr>
+          <p:cNvPicPr>
+            <a:picLocks noChangeAspect="1"/>
+          </p:cNvPicPr>
+          <p:nvPr/>
+        </p:nvPicPr>
+        <p:blipFill>
+          <a:blip r:embed="rId3">
+            <a:extLst>
+              <a:ext uri="{28A0092B-C50C-407E-A947-70E740481C1C}">
+                <a14:useLocalDpi xmlns:a14="http://schemas.microsoft.com/office/drawing/2010/main" val="0"/>
+              </a:ext>
+            </a:extLst>
+          </a:blip>
+          <a:stretch>
+            <a:fillRect/>
+          </a:stretch>
+        </p:blipFill>
+        <p:spPr>
+          <a:xfrm>
+            <a:off x="168977" y="1690688"/>
+            <a:ext cx="3854131" cy="2999076"/>
+          </a:xfrm>
+          <a:prstGeom prst="rect">
+            <a:avLst/>
+          </a:prstGeom>
+        </p:spPr>
+      </p:pic>
+      <p:pic>
+        <p:nvPicPr>
+          <p:cNvPr id="9" name="Picture 8" descr="A graph with numbers and dots&#10;&#10;Description automatically generated with medium confidence">
+            <a:extLst>
+              <a:ext uri="{FF2B5EF4-FFF2-40B4-BE49-F238E27FC236}">
+                <a16:creationId xmlns:a16="http://schemas.microsoft.com/office/drawing/2014/main" id="{6941A0BB-EE68-CE59-B0A3-0FEFCE3F26D6}"/>
+              </a:ext>
+            </a:extLst>
+          </p:cNvPr>
+          <p:cNvPicPr>
+            <a:picLocks noChangeAspect="1"/>
+          </p:cNvPicPr>
+          <p:nvPr/>
+        </p:nvPicPr>
+        <p:blipFill>
+          <a:blip r:embed="rId4">
+            <a:extLst>
+              <a:ext uri="{28A0092B-C50C-407E-A947-70E740481C1C}">
+                <a14:useLocalDpi xmlns:a14="http://schemas.microsoft.com/office/drawing/2010/main" val="0"/>
+              </a:ext>
+            </a:extLst>
+          </a:blip>
+          <a:stretch>
+            <a:fillRect/>
+          </a:stretch>
+        </p:blipFill>
+        <p:spPr>
+          <a:xfrm>
+            <a:off x="8040253" y="1591494"/>
+            <a:ext cx="4131026" cy="3098270"/>
+          </a:xfrm>
+          <a:prstGeom prst="rect">
+            <a:avLst/>
+          </a:prstGeom>
+        </p:spPr>
+      </p:pic>
     </p:spTree>
     <p:extLst>
       <p:ext uri="{BB962C8B-B14F-4D97-AF65-F5344CB8AC3E}">
-        <p14:creationId xmlns:p14="http://schemas.microsoft.com/office/powerpoint/2010/main" val="871504681"/>
+        <p14:creationId xmlns:p14="http://schemas.microsoft.com/office/powerpoint/2010/main" val="3889730207"/>
       </p:ext>
     </p:extLst>
   </p:cSld>
@@ -3412,7 +3499,7 @@
           <p:cNvPr id="4" name="Title 1">
             <a:extLst>
               <a:ext uri="{FF2B5EF4-FFF2-40B4-BE49-F238E27FC236}">
-                <a16:creationId xmlns:a16="http://schemas.microsoft.com/office/drawing/2014/main" id="{7DE77C66-B895-6D4A-0C9E-003E0F31C9F7}"/>
+                <a16:creationId xmlns:a16="http://schemas.microsoft.com/office/drawing/2014/main" id="{D905849D-BDE9-9D13-015A-6781414026D1}"/>
               </a:ext>
             </a:extLst>
           </p:cNvPr>
@@ -3435,17 +3522,17 @@
           <a:p>
             <a:r>
               <a:rPr lang="en-US" dirty="0"/>
-              <a:t>2 mutants &lt; 25% OR &lt; 50% WT</a:t>
+              <a:t>2 mutants &lt; 40% OR &lt; 50% WT</a:t>
             </a:r>
           </a:p>
         </p:txBody>
       </p:sp>
       <p:pic>
         <p:nvPicPr>
-          <p:cNvPr id="6" name="Picture 5" descr="A graph of a number of bar charts&#10;&#10;Description automatically generated with medium confidence">
-            <a:extLst>
-              <a:ext uri="{FF2B5EF4-FFF2-40B4-BE49-F238E27FC236}">
-                <a16:creationId xmlns:a16="http://schemas.microsoft.com/office/drawing/2014/main" id="{E50739FE-685B-DDF5-B651-9FA372092B19}"/>
+          <p:cNvPr id="6" name="Picture 5" descr="A graph of a graph showing a number of data&#10;&#10;Description automatically generated with medium confidence">
+            <a:extLst>
+              <a:ext uri="{FF2B5EF4-FFF2-40B4-BE49-F238E27FC236}">
+                <a16:creationId xmlns:a16="http://schemas.microsoft.com/office/drawing/2014/main" id="{95AE84C8-E3BD-DA65-84FD-342A1C078B81}"/>
               </a:ext>
             </a:extLst>
           </p:cNvPr>
@@ -3468,8 +3555,80 @@
         </p:blipFill>
         <p:spPr>
           <a:xfrm>
-            <a:off x="6339828" y="1690688"/>
-            <a:ext cx="5852172" cy="4389129"/>
+            <a:off x="3837241" y="1558059"/>
+            <a:ext cx="3934113" cy="2950585"/>
+          </a:xfrm>
+          <a:prstGeom prst="rect">
+            <a:avLst/>
+          </a:prstGeom>
+        </p:spPr>
+      </p:pic>
+      <p:pic>
+        <p:nvPicPr>
+          <p:cNvPr id="3" name="Picture 2" descr="A graph of distance&#10;&#10;Description automatically generated with medium confidence">
+            <a:extLst>
+              <a:ext uri="{FF2B5EF4-FFF2-40B4-BE49-F238E27FC236}">
+                <a16:creationId xmlns:a16="http://schemas.microsoft.com/office/drawing/2014/main" id="{87247238-CEE7-B3ED-F04F-7D9338C5DC0E}"/>
+              </a:ext>
+            </a:extLst>
+          </p:cNvPr>
+          <p:cNvPicPr>
+            <a:picLocks noChangeAspect="1"/>
+          </p:cNvPicPr>
+          <p:nvPr/>
+        </p:nvPicPr>
+        <p:blipFill>
+          <a:blip r:embed="rId3">
+            <a:extLst>
+              <a:ext uri="{28A0092B-C50C-407E-A947-70E740481C1C}">
+                <a14:useLocalDpi xmlns:a14="http://schemas.microsoft.com/office/drawing/2010/main" val="0"/>
+              </a:ext>
+            </a:extLst>
+          </a:blip>
+          <a:stretch>
+            <a:fillRect/>
+          </a:stretch>
+        </p:blipFill>
+        <p:spPr>
+          <a:xfrm>
+            <a:off x="51213" y="1619774"/>
+            <a:ext cx="3712505" cy="2888870"/>
+          </a:xfrm>
+          <a:prstGeom prst="rect">
+            <a:avLst/>
+          </a:prstGeom>
+        </p:spPr>
+      </p:pic>
+      <p:pic>
+        <p:nvPicPr>
+          <p:cNvPr id="7" name="Picture 6" descr="A graph with numbers and dots&#10;&#10;Description automatically generated with medium confidence">
+            <a:extLst>
+              <a:ext uri="{FF2B5EF4-FFF2-40B4-BE49-F238E27FC236}">
+                <a16:creationId xmlns:a16="http://schemas.microsoft.com/office/drawing/2014/main" id="{951FC5F4-1BF9-9497-CCD1-107C56C76FE1}"/>
+              </a:ext>
+            </a:extLst>
+          </p:cNvPr>
+          <p:cNvPicPr>
+            <a:picLocks noChangeAspect="1"/>
+          </p:cNvPicPr>
+          <p:nvPr/>
+        </p:nvPicPr>
+        <p:blipFill>
+          <a:blip r:embed="rId4">
+            <a:extLst>
+              <a:ext uri="{28A0092B-C50C-407E-A947-70E740481C1C}">
+                <a14:useLocalDpi xmlns:a14="http://schemas.microsoft.com/office/drawing/2010/main" val="0"/>
+              </a:ext>
+            </a:extLst>
+          </a:blip>
+          <a:stretch>
+            <a:fillRect/>
+          </a:stretch>
+        </p:blipFill>
+        <p:spPr>
+          <a:xfrm>
+            <a:off x="7771354" y="1427104"/>
+            <a:ext cx="4365612" cy="3274209"/>
           </a:xfrm>
           <a:prstGeom prst="rect">
             <a:avLst/>
@@ -3479,7 +3638,7 @@
     </p:spTree>
     <p:extLst>
       <p:ext uri="{BB962C8B-B14F-4D97-AF65-F5344CB8AC3E}">
-        <p14:creationId xmlns:p14="http://schemas.microsoft.com/office/powerpoint/2010/main" val="3499464385"/>
+        <p14:creationId xmlns:p14="http://schemas.microsoft.com/office/powerpoint/2010/main" val="2472262374"/>
       </p:ext>
     </p:extLst>
   </p:cSld>
@@ -3511,7 +3670,7 @@
           <p:cNvPr id="4" name="Title 1">
             <a:extLst>
               <a:ext uri="{FF2B5EF4-FFF2-40B4-BE49-F238E27FC236}">
-                <a16:creationId xmlns:a16="http://schemas.microsoft.com/office/drawing/2014/main" id="{7DE77C66-B895-6D4A-0C9E-003E0F31C9F7}"/>
+                <a16:creationId xmlns:a16="http://schemas.microsoft.com/office/drawing/2014/main" id="{D905849D-BDE9-9D13-015A-6781414026D1}"/>
               </a:ext>
             </a:extLst>
           </p:cNvPr>
@@ -3534,17 +3693,17 @@
           <a:p>
             <a:r>
               <a:rPr lang="en-US" dirty="0"/>
-              <a:t>2 mutants &lt; 25% OR &lt; 75% WT</a:t>
+              <a:t>2 mutants &lt; 40% OR &lt; 75% WT</a:t>
             </a:r>
           </a:p>
         </p:txBody>
       </p:sp>
       <p:pic>
         <p:nvPicPr>
-          <p:cNvPr id="5" name="Picture 4" descr="A graph of a number of data&#10;&#10;Description automatically generated with medium confidence">
-            <a:extLst>
-              <a:ext uri="{FF2B5EF4-FFF2-40B4-BE49-F238E27FC236}">
-                <a16:creationId xmlns:a16="http://schemas.microsoft.com/office/drawing/2014/main" id="{2971D93D-B86D-C26F-3452-44DCBC5460E7}"/>
+          <p:cNvPr id="3" name="Picture 2" descr="A graph of a graph showing a number of different colored squares&#10;&#10;Description automatically generated with medium confidence">
+            <a:extLst>
+              <a:ext uri="{FF2B5EF4-FFF2-40B4-BE49-F238E27FC236}">
+                <a16:creationId xmlns:a16="http://schemas.microsoft.com/office/drawing/2014/main" id="{D00455FA-1ADB-27CF-1BD5-2B41AD411316}"/>
               </a:ext>
             </a:extLst>
           </p:cNvPr>
@@ -3567,78 +3726,20 @@
         </p:blipFill>
         <p:spPr>
           <a:xfrm>
-            <a:off x="6096000" y="1690688"/>
-            <a:ext cx="5852172" cy="4389129"/>
+            <a:off x="4116306" y="1555306"/>
+            <a:ext cx="4109604" cy="3082203"/>
           </a:xfrm>
           <a:prstGeom prst="rect">
             <a:avLst/>
           </a:prstGeom>
         </p:spPr>
       </p:pic>
-    </p:spTree>
-    <p:extLst>
-      <p:ext uri="{BB962C8B-B14F-4D97-AF65-F5344CB8AC3E}">
-        <p14:creationId xmlns:p14="http://schemas.microsoft.com/office/powerpoint/2010/main" val="1182298367"/>
-      </p:ext>
-    </p:extLst>
-  </p:cSld>
-  <p:clrMapOvr>
-    <a:masterClrMapping/>
-  </p:clrMapOvr>
-</p:sld>
-</file>
-
-<file path=ppt/slides/slide4.xml><?xml version="1.0" encoding="utf-8"?>
-<p:sld xmlns:a="http://schemas.openxmlformats.org/drawingml/2006/main" xmlns:r="http://schemas.openxmlformats.org/officeDocument/2006/relationships" xmlns:p="http://schemas.openxmlformats.org/presentationml/2006/main">
-  <p:cSld>
-    <p:spTree>
-      <p:nvGrpSpPr>
-        <p:cNvPr id="1" name=""/>
-        <p:cNvGrpSpPr/>
-        <p:nvPr/>
-      </p:nvGrpSpPr>
-      <p:grpSpPr>
-        <a:xfrm>
-          <a:off x="0" y="0"/>
-          <a:ext cx="0" cy="0"/>
-          <a:chOff x="0" y="0"/>
-          <a:chExt cx="0" cy="0"/>
-        </a:xfrm>
-      </p:grpSpPr>
-      <p:sp>
-        <p:nvSpPr>
-          <p:cNvPr id="2" name="Title 1">
-            <a:extLst>
-              <a:ext uri="{FF2B5EF4-FFF2-40B4-BE49-F238E27FC236}">
-                <a16:creationId xmlns:a16="http://schemas.microsoft.com/office/drawing/2014/main" id="{4B90E0A3-2114-22BA-3749-81AE9931D308}"/>
-              </a:ext>
-            </a:extLst>
-          </p:cNvPr>
-          <p:cNvSpPr>
-            <a:spLocks noGrp="1"/>
-          </p:cNvSpPr>
-          <p:nvPr>
-            <p:ph type="title"/>
-          </p:nvPr>
-        </p:nvSpPr>
-        <p:spPr/>
-        <p:txBody>
-          <a:bodyPr/>
-          <a:lstStyle/>
-          <a:p>
-            <a:r>
-              <a:rPr lang="en-US" dirty="0"/>
-              <a:t>2 mutants &lt; 35% OR &lt; 75% WT</a:t>
-            </a:r>
-          </a:p>
-        </p:txBody>
-      </p:sp>
       <p:pic>
         <p:nvPicPr>
-          <p:cNvPr id="5" name="Picture 4" descr="A graph of a graph with numbers and a bar chart&#10;&#10;Description automatically generated with medium confidence">
-            <a:extLst>
-              <a:ext uri="{FF2B5EF4-FFF2-40B4-BE49-F238E27FC236}">
-                <a16:creationId xmlns:a16="http://schemas.microsoft.com/office/drawing/2014/main" id="{830E23A2-403A-E4EB-E118-DD15E01CC91D}"/>
+          <p:cNvPr id="5" name="Picture 4" descr="A graph of distance&#10;&#10;Description automatically generated with medium confidence">
+            <a:extLst>
+              <a:ext uri="{FF2B5EF4-FFF2-40B4-BE49-F238E27FC236}">
+                <a16:creationId xmlns:a16="http://schemas.microsoft.com/office/drawing/2014/main" id="{087CE91F-9EBF-8E10-3299-2B893E3571D0}"/>
               </a:ext>
             </a:extLst>
           </p:cNvPr>
@@ -3648,7 +3749,7 @@
           <p:nvPr/>
         </p:nvPicPr>
         <p:blipFill>
-          <a:blip r:embed="rId2">
+          <a:blip r:embed="rId3">
             <a:extLst>
               <a:ext uri="{28A0092B-C50C-407E-A947-70E740481C1C}">
                 <a14:useLocalDpi xmlns:a14="http://schemas.microsoft.com/office/drawing/2010/main" val="0"/>
@@ -3661,62 +3762,30 @@
         </p:blipFill>
         <p:spPr>
           <a:xfrm>
-            <a:off x="5904985" y="1690688"/>
-            <a:ext cx="5852172" cy="4389129"/>
+            <a:off x="238196" y="1619774"/>
+            <a:ext cx="3878110" cy="3017735"/>
           </a:xfrm>
           <a:prstGeom prst="rect">
             <a:avLst/>
           </a:prstGeom>
         </p:spPr>
       </p:pic>
-    </p:spTree>
-    <p:extLst>
-      <p:ext uri="{BB962C8B-B14F-4D97-AF65-F5344CB8AC3E}">
-        <p14:creationId xmlns:p14="http://schemas.microsoft.com/office/powerpoint/2010/main" val="3889730207"/>
-      </p:ext>
-    </p:extLst>
-  </p:cSld>
-  <p:clrMapOvr>
-    <a:masterClrMapping/>
-  </p:clrMapOvr>
-</p:sld>
-</file>
-
-<file path=ppt/slides/slide5.xml><?xml version="1.0" encoding="utf-8"?>
-<p:sld xmlns:a="http://schemas.openxmlformats.org/drawingml/2006/main" xmlns:r="http://schemas.openxmlformats.org/officeDocument/2006/relationships" xmlns:p="http://schemas.openxmlformats.org/presentationml/2006/main">
-  <p:cSld>
-    <p:spTree>
-      <p:nvGrpSpPr>
-        <p:cNvPr id="1" name=""/>
-        <p:cNvGrpSpPr/>
-        <p:nvPr/>
-      </p:nvGrpSpPr>
-      <p:grpSpPr>
-        <a:xfrm>
-          <a:off x="0" y="0"/>
-          <a:ext cx="0" cy="0"/>
-          <a:chOff x="0" y="0"/>
-          <a:chExt cx="0" cy="0"/>
-        </a:xfrm>
-      </p:grpSpPr>
       <p:pic>
         <p:nvPicPr>
-          <p:cNvPr id="6" name="Content Placeholder 5" descr="A graph of a graph of a number of data&#10;&#10;Description automatically generated with medium confidence">
-            <a:extLst>
-              <a:ext uri="{FF2B5EF4-FFF2-40B4-BE49-F238E27FC236}">
-                <a16:creationId xmlns:a16="http://schemas.microsoft.com/office/drawing/2014/main" id="{0F20D4CF-0FC2-1E6D-676E-0C74D89D6B9D}"/>
+          <p:cNvPr id="7" name="Picture 6" descr="A graph with colored dots and lines&#10;&#10;Description automatically generated">
+            <a:extLst>
+              <a:ext uri="{FF2B5EF4-FFF2-40B4-BE49-F238E27FC236}">
+                <a16:creationId xmlns:a16="http://schemas.microsoft.com/office/drawing/2014/main" id="{2A961FC8-1864-67D7-6118-3DB7BD09CC97}"/>
               </a:ext>
             </a:extLst>
           </p:cNvPr>
           <p:cNvPicPr>
-            <a:picLocks noGrp="1" noChangeAspect="1"/>
+            <a:picLocks noChangeAspect="1"/>
           </p:cNvPicPr>
-          <p:nvPr>
-            <p:ph idx="1"/>
-          </p:nvPr>
+          <p:nvPr/>
         </p:nvPicPr>
         <p:blipFill>
-          <a:blip r:embed="rId2">
+          <a:blip r:embed="rId4">
             <a:extLst>
               <a:ext uri="{28A0092B-C50C-407E-A947-70E740481C1C}">
                 <a14:useLocalDpi xmlns:a14="http://schemas.microsoft.com/office/drawing/2010/main" val="0"/>
@@ -3729,236 +3798,8 @@
         </p:blipFill>
         <p:spPr>
           <a:xfrm>
-            <a:off x="6096000" y="1994958"/>
-            <a:ext cx="5801784" cy="4351338"/>
-          </a:xfrm>
-        </p:spPr>
-      </p:pic>
-      <p:sp>
-        <p:nvSpPr>
-          <p:cNvPr id="4" name="Title 1">
-            <a:extLst>
-              <a:ext uri="{FF2B5EF4-FFF2-40B4-BE49-F238E27FC236}">
-                <a16:creationId xmlns:a16="http://schemas.microsoft.com/office/drawing/2014/main" id="{0697AD0C-E0A5-8B8F-ADE6-A7F7528E8551}"/>
-              </a:ext>
-            </a:extLst>
-          </p:cNvPr>
-          <p:cNvSpPr>
-            <a:spLocks noGrp="1"/>
-          </p:cNvSpPr>
-          <p:nvPr>
-            <p:ph type="title"/>
-          </p:nvPr>
-        </p:nvSpPr>
-        <p:spPr>
-          <a:xfrm>
-            <a:off x="838200" y="365125"/>
-            <a:ext cx="10515600" cy="1325563"/>
-          </a:xfrm>
-        </p:spPr>
-        <p:txBody>
-          <a:bodyPr/>
-          <a:lstStyle/>
-          <a:p>
-            <a:r>
-              <a:rPr lang="en-US" dirty="0"/>
-              <a:t>2 mutants &lt; 35% OR &lt; 50% WT</a:t>
-            </a:r>
-          </a:p>
-        </p:txBody>
-      </p:sp>
-    </p:spTree>
-    <p:extLst>
-      <p:ext uri="{BB962C8B-B14F-4D97-AF65-F5344CB8AC3E}">
-        <p14:creationId xmlns:p14="http://schemas.microsoft.com/office/powerpoint/2010/main" val="3021850720"/>
-      </p:ext>
-    </p:extLst>
-  </p:cSld>
-  <p:clrMapOvr>
-    <a:masterClrMapping/>
-  </p:clrMapOvr>
-</p:sld>
-</file>
-
-<file path=ppt/slides/slide6.xml><?xml version="1.0" encoding="utf-8"?>
-<p:sld xmlns:a="http://schemas.openxmlformats.org/drawingml/2006/main" xmlns:r="http://schemas.openxmlformats.org/officeDocument/2006/relationships" xmlns:p="http://schemas.openxmlformats.org/presentationml/2006/main">
-  <p:cSld>
-    <p:spTree>
-      <p:nvGrpSpPr>
-        <p:cNvPr id="1" name=""/>
-        <p:cNvGrpSpPr/>
-        <p:nvPr/>
-      </p:nvGrpSpPr>
-      <p:grpSpPr>
-        <a:xfrm>
-          <a:off x="0" y="0"/>
-          <a:ext cx="0" cy="0"/>
-          <a:chOff x="0" y="0"/>
-          <a:chExt cx="0" cy="0"/>
-        </a:xfrm>
-      </p:grpSpPr>
-      <p:sp>
-        <p:nvSpPr>
-          <p:cNvPr id="4" name="Title 1">
-            <a:extLst>
-              <a:ext uri="{FF2B5EF4-FFF2-40B4-BE49-F238E27FC236}">
-                <a16:creationId xmlns:a16="http://schemas.microsoft.com/office/drawing/2014/main" id="{D905849D-BDE9-9D13-015A-6781414026D1}"/>
-              </a:ext>
-            </a:extLst>
-          </p:cNvPr>
-          <p:cNvSpPr>
-            <a:spLocks noGrp="1"/>
-          </p:cNvSpPr>
-          <p:nvPr>
-            <p:ph type="title"/>
-          </p:nvPr>
-        </p:nvSpPr>
-        <p:spPr>
-          <a:xfrm>
-            <a:off x="838200" y="365125"/>
-            <a:ext cx="10515600" cy="1325563"/>
-          </a:xfrm>
-        </p:spPr>
-        <p:txBody>
-          <a:bodyPr/>
-          <a:lstStyle/>
-          <a:p>
-            <a:r>
-              <a:rPr lang="en-US" dirty="0"/>
-              <a:t>2 mutants &lt; 40% OR &lt; 50% WT</a:t>
-            </a:r>
-          </a:p>
-        </p:txBody>
-      </p:sp>
-      <p:pic>
-        <p:nvPicPr>
-          <p:cNvPr id="6" name="Picture 5" descr="A graph of a graph showing a number of data&#10;&#10;Description automatically generated with medium confidence">
-            <a:extLst>
-              <a:ext uri="{FF2B5EF4-FFF2-40B4-BE49-F238E27FC236}">
-                <a16:creationId xmlns:a16="http://schemas.microsoft.com/office/drawing/2014/main" id="{95AE84C8-E3BD-DA65-84FD-342A1C078B81}"/>
-              </a:ext>
-            </a:extLst>
-          </p:cNvPr>
-          <p:cNvPicPr>
-            <a:picLocks noChangeAspect="1"/>
-          </p:cNvPicPr>
-          <p:nvPr/>
-        </p:nvPicPr>
-        <p:blipFill>
-          <a:blip r:embed="rId2">
-            <a:extLst>
-              <a:ext uri="{28A0092B-C50C-407E-A947-70E740481C1C}">
-                <a14:useLocalDpi xmlns:a14="http://schemas.microsoft.com/office/drawing/2010/main" val="0"/>
-              </a:ext>
-            </a:extLst>
-          </a:blip>
-          <a:stretch>
-            <a:fillRect/>
-          </a:stretch>
-        </p:blipFill>
-        <p:spPr>
-          <a:xfrm>
-            <a:off x="5659114" y="1690688"/>
-            <a:ext cx="5852172" cy="4389129"/>
-          </a:xfrm>
-          <a:prstGeom prst="rect">
-            <a:avLst/>
-          </a:prstGeom>
-        </p:spPr>
-      </p:pic>
-    </p:spTree>
-    <p:extLst>
-      <p:ext uri="{BB962C8B-B14F-4D97-AF65-F5344CB8AC3E}">
-        <p14:creationId xmlns:p14="http://schemas.microsoft.com/office/powerpoint/2010/main" val="2472262374"/>
-      </p:ext>
-    </p:extLst>
-  </p:cSld>
-  <p:clrMapOvr>
-    <a:masterClrMapping/>
-  </p:clrMapOvr>
-</p:sld>
-</file>
-
-<file path=ppt/slides/slide7.xml><?xml version="1.0" encoding="utf-8"?>
-<p:sld xmlns:a="http://schemas.openxmlformats.org/drawingml/2006/main" xmlns:r="http://schemas.openxmlformats.org/officeDocument/2006/relationships" xmlns:p="http://schemas.openxmlformats.org/presentationml/2006/main">
-  <p:cSld>
-    <p:spTree>
-      <p:nvGrpSpPr>
-        <p:cNvPr id="1" name=""/>
-        <p:cNvGrpSpPr/>
-        <p:nvPr/>
-      </p:nvGrpSpPr>
-      <p:grpSpPr>
-        <a:xfrm>
-          <a:off x="0" y="0"/>
-          <a:ext cx="0" cy="0"/>
-          <a:chOff x="0" y="0"/>
-          <a:chExt cx="0" cy="0"/>
-        </a:xfrm>
-      </p:grpSpPr>
-      <p:sp>
-        <p:nvSpPr>
-          <p:cNvPr id="4" name="Title 1">
-            <a:extLst>
-              <a:ext uri="{FF2B5EF4-FFF2-40B4-BE49-F238E27FC236}">
-                <a16:creationId xmlns:a16="http://schemas.microsoft.com/office/drawing/2014/main" id="{D905849D-BDE9-9D13-015A-6781414026D1}"/>
-              </a:ext>
-            </a:extLst>
-          </p:cNvPr>
-          <p:cNvSpPr>
-            <a:spLocks noGrp="1"/>
-          </p:cNvSpPr>
-          <p:nvPr>
-            <p:ph type="title"/>
-          </p:nvPr>
-        </p:nvSpPr>
-        <p:spPr>
-          <a:xfrm>
-            <a:off x="838200" y="365125"/>
-            <a:ext cx="10515600" cy="1325563"/>
-          </a:xfrm>
-        </p:spPr>
-        <p:txBody>
-          <a:bodyPr/>
-          <a:lstStyle/>
-          <a:p>
-            <a:r>
-              <a:rPr lang="en-US" dirty="0"/>
-              <a:t>2 mutants &lt; 40% OR &lt; 75% WT</a:t>
-            </a:r>
-          </a:p>
-        </p:txBody>
-      </p:sp>
-      <p:pic>
-        <p:nvPicPr>
-          <p:cNvPr id="3" name="Picture 2" descr="A graph of a graph showing a number of different colored squares&#10;&#10;Description automatically generated with medium confidence">
-            <a:extLst>
-              <a:ext uri="{FF2B5EF4-FFF2-40B4-BE49-F238E27FC236}">
-                <a16:creationId xmlns:a16="http://schemas.microsoft.com/office/drawing/2014/main" id="{D00455FA-1ADB-27CF-1BD5-2B41AD411316}"/>
-              </a:ext>
-            </a:extLst>
-          </p:cNvPr>
-          <p:cNvPicPr>
-            <a:picLocks noChangeAspect="1"/>
-          </p:cNvPicPr>
-          <p:nvPr/>
-        </p:nvPicPr>
-        <p:blipFill>
-          <a:blip r:embed="rId2">
-            <a:extLst>
-              <a:ext uri="{28A0092B-C50C-407E-A947-70E740481C1C}">
-                <a14:useLocalDpi xmlns:a14="http://schemas.microsoft.com/office/drawing/2010/main" val="0"/>
-              </a:ext>
-            </a:extLst>
-          </a:blip>
-          <a:stretch>
-            <a:fillRect/>
-          </a:stretch>
-        </p:blipFill>
-        <p:spPr>
-          <a:xfrm>
-            <a:off x="5760714" y="1690688"/>
-            <a:ext cx="5852172" cy="4389129"/>
+            <a:off x="8249914" y="1569161"/>
+            <a:ext cx="3942086" cy="2956564"/>
           </a:xfrm>
           <a:prstGeom prst="rect">
             <a:avLst/>
